--- a/EntregaF.pptx
+++ b/EntregaF.pptx
@@ -5,7 +5,7 @@
     <p:sldMasterId id="2147483648" r:id="rId1"/>
   </p:sldMasterIdLst>
   <p:notesMasterIdLst>
-    <p:notesMasterId r:id="rId18"/>
+    <p:notesMasterId r:id="rId19"/>
   </p:notesMasterIdLst>
   <p:sldIdLst>
     <p:sldId id="267" r:id="rId2"/>
@@ -24,6 +24,7 @@
     <p:sldId id="262" r:id="rId15"/>
     <p:sldId id="271" r:id="rId16"/>
     <p:sldId id="264" r:id="rId17"/>
+    <p:sldId id="272" r:id="rId18"/>
   </p:sldIdLst>
   <p:sldSz cx="12192000" cy="6858000"/>
   <p:notesSz cx="6858000" cy="9144000"/>
@@ -3456,7 +3457,7 @@
           <a:p>
             <a:fld id="{CD06D4ED-439F-42AE-9063-E75253B72025}" type="datetimeFigureOut">
               <a:rPr lang="es-CO" smtClean="0"/>
-              <a:t>28/05/2018</a:t>
+              <a:t>31/05/2018</a:t>
             </a:fld>
             <a:endParaRPr lang="es-CO"/>
           </a:p>
@@ -4054,7 +4055,7 @@
           <a:p>
             <a:fld id="{3F0C5807-D80F-49C9-AC36-ACAB170E53B6}" type="datetime1">
               <a:rPr lang="en-US" smtClean="0"/>
-              <a:t>5/28/2018</a:t>
+              <a:t>5/31/2018</a:t>
             </a:fld>
             <a:endParaRPr lang="en-US" dirty="0"/>
           </a:p>
@@ -4388,7 +4389,7 @@
           <a:p>
             <a:fld id="{BCDB3105-2259-40EE-90EE-B390C5F057E6}" type="datetime1">
               <a:rPr lang="en-US" smtClean="0"/>
-              <a:t>5/28/2018</a:t>
+              <a:t>5/31/2018</a:t>
             </a:fld>
             <a:endParaRPr lang="en-US" dirty="0"/>
           </a:p>
@@ -4690,7 +4691,7 @@
           <a:p>
             <a:fld id="{F725B43F-58D4-476B-90F4-EF5A095D7D4A}" type="datetime1">
               <a:rPr lang="en-US" smtClean="0"/>
-              <a:t>5/28/2018</a:t>
+              <a:t>5/31/2018</a:t>
             </a:fld>
             <a:endParaRPr lang="en-US" dirty="0"/>
           </a:p>
@@ -4937,7 +4938,7 @@
           <a:p>
             <a:fld id="{308F9937-4449-488E-B69B-EDDDDE3C98F4}" type="datetime1">
               <a:rPr lang="en-US" smtClean="0"/>
-              <a:t>5/28/2018</a:t>
+              <a:t>5/31/2018</a:t>
             </a:fld>
             <a:endParaRPr lang="en-US" dirty="0"/>
           </a:p>
@@ -5344,7 +5345,7 @@
           <a:p>
             <a:fld id="{D399F711-0401-468C-873A-76A289B62DB2}" type="datetime1">
               <a:rPr lang="en-US" smtClean="0"/>
-              <a:t>5/28/2018</a:t>
+              <a:t>5/31/2018</a:t>
             </a:fld>
             <a:endParaRPr lang="en-US" dirty="0"/>
           </a:p>
@@ -5658,7 +5659,7 @@
           <a:p>
             <a:fld id="{BF351DD3-6DB9-4D79-9A01-254FEA15BF46}" type="datetime1">
               <a:rPr lang="en-US" smtClean="0"/>
-              <a:t>5/28/2018</a:t>
+              <a:t>5/31/2018</a:t>
             </a:fld>
             <a:endParaRPr lang="en-US" dirty="0"/>
           </a:p>
@@ -6202,7 +6203,7 @@
           <a:p>
             <a:fld id="{FF0D5DD5-9D72-4983-9334-87CC01AB67A6}" type="datetime1">
               <a:rPr lang="en-US" smtClean="0"/>
-              <a:t>5/28/2018</a:t>
+              <a:t>5/31/2018</a:t>
             </a:fld>
             <a:endParaRPr lang="en-US" dirty="0"/>
           </a:p>
@@ -6397,7 +6398,7 @@
           <a:p>
             <a:fld id="{49F6DE72-7364-480D-A693-44D8E21845A6}" type="datetime1">
               <a:rPr lang="en-US" smtClean="0"/>
-              <a:t>5/28/2018</a:t>
+              <a:t>5/31/2018</a:t>
             </a:fld>
             <a:endParaRPr lang="en-US" dirty="0"/>
           </a:p>
@@ -6610,7 +6611,7 @@
           <a:p>
             <a:fld id="{B4A479C3-64BA-4134-8CBA-ED829DBD8B89}" type="datetime1">
               <a:rPr lang="en-US" smtClean="0"/>
-              <a:t>5/28/2018</a:t>
+              <a:t>5/31/2018</a:t>
             </a:fld>
             <a:endParaRPr lang="en-US" dirty="0"/>
           </a:p>
@@ -6979,7 +6980,7 @@
           <a:p>
             <a:fld id="{B8F0C61D-3BF0-41F6-926F-82D155F58744}" type="datetime1">
               <a:rPr lang="en-US" smtClean="0"/>
-              <a:t>5/28/2018</a:t>
+              <a:t>5/31/2018</a:t>
             </a:fld>
             <a:endParaRPr lang="en-US" dirty="0"/>
           </a:p>
@@ -7382,7 +7383,7 @@
           <a:p>
             <a:fld id="{AE79A99D-7F53-4A58-A796-1294D0518376}" type="datetime1">
               <a:rPr lang="en-US" smtClean="0"/>
-              <a:t>5/28/2018</a:t>
+              <a:t>5/31/2018</a:t>
             </a:fld>
             <a:endParaRPr lang="en-US" dirty="0"/>
           </a:p>
@@ -7720,7 +7721,7 @@
           <a:p>
             <a:fld id="{DEAA4ED6-D183-4C46-9B8A-6462DDC3206F}" type="datetime1">
               <a:rPr lang="en-US" smtClean="0"/>
-              <a:t>5/28/2018</a:t>
+              <a:t>5/31/2018</a:t>
             </a:fld>
             <a:endParaRPr lang="en-US" dirty="0"/>
           </a:p>
@@ -8526,37 +8527,6 @@
           </a:prstGeom>
         </p:spPr>
       </p:pic>
-      <p:pic>
-        <p:nvPicPr>
-          <p:cNvPr id="9" name="Marcador de contenido 5">
-            <a:extLst>
-              <a:ext uri="{FF2B5EF4-FFF2-40B4-BE49-F238E27FC236}">
-                <a16:creationId xmlns:a16="http://schemas.microsoft.com/office/drawing/2014/main" id="{A14015D0-E7E7-4C91-960D-A2D6CED28987}"/>
-              </a:ext>
-            </a:extLst>
-          </p:cNvPr>
-          <p:cNvPicPr>
-            <a:picLocks noGrp="1" noChangeAspect="1"/>
-          </p:cNvPicPr>
-          <p:nvPr>
-            <p:ph idx="1"/>
-          </p:nvPr>
-        </p:nvPicPr>
-        <p:blipFill rotWithShape="1">
-          <a:blip r:embed="rId4"/>
-          <a:srcRect t="18030"/>
-          <a:stretch/>
-        </p:blipFill>
-        <p:spPr>
-          <a:xfrm>
-            <a:off x="1119260" y="557537"/>
-            <a:ext cx="5351877" cy="2906199"/>
-          </a:xfrm>
-          <a:prstGeom prst="rect">
-            <a:avLst/>
-          </a:prstGeom>
-        </p:spPr>
-      </p:pic>
       <p:sp>
         <p:nvSpPr>
           <p:cNvPr id="10" name="CuadroTexto 9">
@@ -8571,7 +8541,7 @@
         </p:nvSpPr>
         <p:spPr>
           <a:xfrm>
-            <a:off x="1119260" y="3519899"/>
+            <a:off x="1119260" y="3673652"/>
             <a:ext cx="3537145" cy="461665"/>
           </a:xfrm>
           <a:prstGeom prst="rect">
@@ -8592,8 +8562,12 @@
           </a:p>
           <a:p>
             <a:r>
+              <a:rPr lang="es-CO" sz="1200" dirty="0" err="1"/>
+              <a:t>Creacion</a:t>
+            </a:r>
+            <a:r>
               <a:rPr lang="es-CO" sz="1200" dirty="0"/>
-              <a:t>Análisis de los 40000 datos simulados (80%).</a:t>
+              <a:t> red Neuronal de 10 interacciones.</a:t>
             </a:r>
           </a:p>
         </p:txBody>
@@ -8686,6 +8660,36 @@
             <a:extLst>
               <a:ext uri="{FF2B5EF4-FFF2-40B4-BE49-F238E27FC236}">
                 <a16:creationId xmlns:a16="http://schemas.microsoft.com/office/drawing/2014/main" id="{D672DB9E-0C40-4613-A6B8-2E559850526B}"/>
+              </a:ext>
+            </a:extLst>
+          </p:cNvPr>
+          <p:cNvPicPr>
+            <a:picLocks noChangeAspect="1"/>
+          </p:cNvPicPr>
+          <p:nvPr/>
+        </p:nvPicPr>
+        <p:blipFill>
+          <a:blip r:embed="rId4"/>
+          <a:stretch>
+            <a:fillRect/>
+          </a:stretch>
+        </p:blipFill>
+        <p:spPr>
+          <a:xfrm>
+            <a:off x="7724785" y="857032"/>
+            <a:ext cx="2718940" cy="2495958"/>
+          </a:xfrm>
+          <a:prstGeom prst="rect">
+            <a:avLst/>
+          </a:prstGeom>
+        </p:spPr>
+      </p:pic>
+      <p:pic>
+        <p:nvPicPr>
+          <p:cNvPr id="14" name="Imagen 13">
+            <a:extLst>
+              <a:ext uri="{FF2B5EF4-FFF2-40B4-BE49-F238E27FC236}">
+                <a16:creationId xmlns:a16="http://schemas.microsoft.com/office/drawing/2014/main" id="{FE971A93-4750-4824-875D-7E1809F9A0C4}"/>
               </a:ext>
             </a:extLst>
           </p:cNvPr>
@@ -8702,8 +8706,8 @@
         </p:blipFill>
         <p:spPr>
           <a:xfrm>
-            <a:off x="7724785" y="857032"/>
-            <a:ext cx="2718940" cy="2495958"/>
+            <a:off x="1119260" y="326017"/>
+            <a:ext cx="4976739" cy="3417043"/>
           </a:xfrm>
           <a:prstGeom prst="rect">
             <a:avLst/>
@@ -8843,7 +8847,7 @@
         </p:nvSpPr>
         <p:spPr>
           <a:xfrm>
-            <a:off x="1538011" y="5405364"/>
+            <a:off x="1538011" y="5835002"/>
             <a:ext cx="6721410" cy="655800"/>
           </a:xfrm>
           <a:prstGeom prst="rect">
@@ -9131,8 +9135,8 @@
         </p:blipFill>
         <p:spPr>
           <a:xfrm>
-            <a:off x="2611808" y="1704211"/>
-            <a:ext cx="2090364" cy="1739337"/>
+            <a:off x="2750734" y="632371"/>
+            <a:ext cx="3223842" cy="2403726"/>
           </a:xfrm>
           <a:prstGeom prst="rect">
             <a:avLst/>
@@ -9151,10 +9155,10 @@
       </p:pic>
       <p:pic>
         <p:nvPicPr>
-          <p:cNvPr id="11" name="Shape 290">
+          <p:cNvPr id="13" name="Shape 292">
             <a:extLst>
               <a:ext uri="{FF2B5EF4-FFF2-40B4-BE49-F238E27FC236}">
-                <a16:creationId xmlns:a16="http://schemas.microsoft.com/office/drawing/2014/main" id="{E637610E-84CD-471D-A058-1932CDC8A470}"/>
+                <a16:creationId xmlns:a16="http://schemas.microsoft.com/office/drawing/2014/main" id="{B41AD79B-3DA3-4A4C-A655-95C8CC3615A2}"/>
               </a:ext>
             </a:extLst>
           </p:cNvPr>
@@ -9171,88 +9175,8 @@
         </p:blipFill>
         <p:spPr>
           <a:xfrm>
-            <a:off x="1338001" y="3859661"/>
-            <a:ext cx="2090364" cy="1671805"/>
-          </a:xfrm>
-          <a:prstGeom prst="rect">
-            <a:avLst/>
-          </a:prstGeom>
-          <a:noFill/>
-          <a:ln w="38100" cap="flat" cmpd="sng">
-            <a:solidFill>
-              <a:srgbClr val="000000"/>
-            </a:solidFill>
-            <a:prstDash val="solid"/>
-            <a:miter lim="8000"/>
-            <a:headEnd type="none" w="sm" len="sm"/>
-            <a:tailEnd type="none" w="sm" len="sm"/>
-          </a:ln>
-        </p:spPr>
-      </p:pic>
-      <p:pic>
-        <p:nvPicPr>
-          <p:cNvPr id="12" name="Shape 291">
-            <a:extLst>
-              <a:ext uri="{FF2B5EF4-FFF2-40B4-BE49-F238E27FC236}">
-                <a16:creationId xmlns:a16="http://schemas.microsoft.com/office/drawing/2014/main" id="{E47520FD-0D63-4191-BEAA-43C36C14E7C9}"/>
-              </a:ext>
-            </a:extLst>
-          </p:cNvPr>
-          <p:cNvPicPr preferRelativeResize="0"/>
-          <p:nvPr/>
-        </p:nvPicPr>
-        <p:blipFill>
-          <a:blip r:embed="rId4">
-            <a:alphaModFix/>
-          </a:blip>
-          <a:stretch>
-            <a:fillRect/>
-          </a:stretch>
-        </p:blipFill>
-        <p:spPr>
-          <a:xfrm>
-            <a:off x="3827069" y="3968876"/>
-            <a:ext cx="2828925" cy="1647825"/>
-          </a:xfrm>
-          <a:prstGeom prst="rect">
-            <a:avLst/>
-          </a:prstGeom>
-          <a:noFill/>
-          <a:ln w="38100" cap="flat" cmpd="sng">
-            <a:solidFill>
-              <a:srgbClr val="000000"/>
-            </a:solidFill>
-            <a:prstDash val="solid"/>
-            <a:miter lim="8000"/>
-            <a:headEnd type="none" w="sm" len="sm"/>
-            <a:tailEnd type="none" w="sm" len="sm"/>
-          </a:ln>
-        </p:spPr>
-      </p:pic>
-      <p:pic>
-        <p:nvPicPr>
-          <p:cNvPr id="13" name="Shape 292">
-            <a:extLst>
-              <a:ext uri="{FF2B5EF4-FFF2-40B4-BE49-F238E27FC236}">
-                <a16:creationId xmlns:a16="http://schemas.microsoft.com/office/drawing/2014/main" id="{B41AD79B-3DA3-4A4C-A655-95C8CC3615A2}"/>
-              </a:ext>
-            </a:extLst>
-          </p:cNvPr>
-          <p:cNvPicPr preferRelativeResize="0"/>
-          <p:nvPr/>
-        </p:nvPicPr>
-        <p:blipFill>
-          <a:blip r:embed="rId5">
-            <a:alphaModFix/>
-          </a:blip>
-          <a:stretch>
-            <a:fillRect/>
-          </a:stretch>
-        </p:blipFill>
-        <p:spPr>
-          <a:xfrm>
-            <a:off x="7736479" y="2368005"/>
-            <a:ext cx="2417146" cy="2765454"/>
+            <a:off x="8259421" y="1834234"/>
+            <a:ext cx="2697979" cy="3703173"/>
           </a:xfrm>
           <a:prstGeom prst="rect">
             <a:avLst/>
@@ -9263,102 +9187,36 @@
           </a:ln>
         </p:spPr>
       </p:pic>
-      <p:cxnSp>
-        <p:nvCxnSpPr>
-          <p:cNvPr id="17" name="Shape 296">
+      <p:pic>
+        <p:nvPicPr>
+          <p:cNvPr id="3" name="Imagen 2">
             <a:extLst>
               <a:ext uri="{FF2B5EF4-FFF2-40B4-BE49-F238E27FC236}">
-                <a16:creationId xmlns:a16="http://schemas.microsoft.com/office/drawing/2014/main" id="{AE7D6855-780A-4069-AD9E-1C82711BD7BE}"/>
+                <a16:creationId xmlns:a16="http://schemas.microsoft.com/office/drawing/2014/main" id="{0213801C-9D5B-4833-B51F-B481D5B13A31}"/>
               </a:ext>
             </a:extLst>
           </p:cNvPr>
-          <p:cNvCxnSpPr/>
+          <p:cNvPicPr>
+            <a:picLocks noChangeAspect="1"/>
+          </p:cNvPicPr>
           <p:nvPr/>
-        </p:nvCxnSpPr>
+        </p:nvPicPr>
+        <p:blipFill>
+          <a:blip r:embed="rId4"/>
+          <a:stretch>
+            <a:fillRect/>
+          </a:stretch>
+        </p:blipFill>
         <p:spPr>
-          <a:xfrm flipH="1">
-            <a:off x="5398069" y="2204443"/>
-            <a:ext cx="18300" cy="525300"/>
-          </a:xfrm>
-          <a:prstGeom prst="straightConnector1">
+          <a:xfrm>
+            <a:off x="1234600" y="3333692"/>
+            <a:ext cx="6256110" cy="2780493"/>
+          </a:xfrm>
+          <a:prstGeom prst="rect">
             <a:avLst/>
           </a:prstGeom>
-          <a:noFill/>
-          <a:ln w="9525" cap="flat" cmpd="sng">
-            <a:solidFill>
-              <a:schemeClr val="dk2"/>
-            </a:solidFill>
-            <a:prstDash val="solid"/>
-            <a:round/>
-            <a:headEnd type="none" w="med" len="med"/>
-            <a:tailEnd type="triangle" w="med" len="med"/>
-          </a:ln>
-        </p:spPr>
-      </p:cxnSp>
-      <p:cxnSp>
-        <p:nvCxnSpPr>
-          <p:cNvPr id="18" name="Shape 297">
-            <a:extLst>
-              <a:ext uri="{FF2B5EF4-FFF2-40B4-BE49-F238E27FC236}">
-                <a16:creationId xmlns:a16="http://schemas.microsoft.com/office/drawing/2014/main" id="{D1214AFD-BB58-49C0-AA22-6E22AB8C4F47}"/>
-              </a:ext>
-            </a:extLst>
-          </p:cNvPr>
-          <p:cNvCxnSpPr/>
-          <p:nvPr/>
-        </p:nvCxnSpPr>
-        <p:spPr>
-          <a:xfrm rot="10800000" flipH="1">
-            <a:off x="6355944" y="2464693"/>
-            <a:ext cx="665700" cy="4800"/>
-          </a:xfrm>
-          <a:prstGeom prst="straightConnector1">
-            <a:avLst/>
-          </a:prstGeom>
-          <a:noFill/>
-          <a:ln w="9525" cap="flat" cmpd="sng">
-            <a:solidFill>
-              <a:schemeClr val="dk2"/>
-            </a:solidFill>
-            <a:prstDash val="solid"/>
-            <a:round/>
-            <a:headEnd type="none" w="med" len="med"/>
-            <a:tailEnd type="triangle" w="med" len="med"/>
-          </a:ln>
-        </p:spPr>
-      </p:cxnSp>
-      <p:cxnSp>
-        <p:nvCxnSpPr>
-          <p:cNvPr id="19" name="Shape 298">
-            <a:extLst>
-              <a:ext uri="{FF2B5EF4-FFF2-40B4-BE49-F238E27FC236}">
-                <a16:creationId xmlns:a16="http://schemas.microsoft.com/office/drawing/2014/main" id="{7C580B60-A14F-4C4F-B166-874CBE41E014}"/>
-              </a:ext>
-            </a:extLst>
-          </p:cNvPr>
-          <p:cNvCxnSpPr/>
-          <p:nvPr/>
-        </p:nvCxnSpPr>
-        <p:spPr>
-          <a:xfrm rot="10800000" flipH="1">
-            <a:off x="9101644" y="2524351"/>
-            <a:ext cx="370200" cy="6000"/>
-          </a:xfrm>
-          <a:prstGeom prst="straightConnector1">
-            <a:avLst/>
-          </a:prstGeom>
-          <a:noFill/>
-          <a:ln w="9525" cap="flat" cmpd="sng">
-            <a:solidFill>
-              <a:schemeClr val="dk2"/>
-            </a:solidFill>
-            <a:prstDash val="solid"/>
-            <a:round/>
-            <a:headEnd type="none" w="med" len="med"/>
-            <a:tailEnd type="triangle" w="med" len="med"/>
-          </a:ln>
-        </p:spPr>
-      </p:cxnSp>
+        </p:spPr>
+      </p:pic>
     </p:spTree>
     <p:extLst>
       <p:ext uri="{BB962C8B-B14F-4D97-AF65-F5344CB8AC3E}">
@@ -9784,15 +9642,7 @@
             </a:r>
             <a:r>
               <a:rPr lang="es-CO" sz="1200" dirty="0"/>
-              <a:t>Fig9: Aplicación de la técnica </a:t>
-            </a:r>
-            <a:r>
-              <a:rPr lang="es-CO" sz="1200" dirty="0" err="1"/>
-              <a:t>multiagente</a:t>
-            </a:r>
-            <a:r>
-              <a:rPr lang="es-CO" sz="1200" dirty="0"/>
-              <a:t>.</a:t>
+              <a:t>Fig9: Aplicación de la técnica Multiagentes.</a:t>
             </a:r>
           </a:p>
         </p:txBody>
@@ -9929,7 +9779,7 @@
         </p:nvSpPr>
         <p:spPr>
           <a:xfrm>
-            <a:off x="1538011" y="5405364"/>
+            <a:off x="1156341" y="4815478"/>
             <a:ext cx="6721410" cy="655800"/>
           </a:xfrm>
           <a:prstGeom prst="rect">
@@ -10185,10 +10035,6 @@
               <a:buNone/>
             </a:pPr>
             <a:r>
-              <a:rPr lang="es-CO" dirty="0"/>
-              <a:t> </a:t>
-            </a:r>
-            <a:r>
               <a:rPr lang="es-CO" sz="1200" dirty="0"/>
               <a:t>Fig10: Actividad en </a:t>
             </a:r>
@@ -10222,8 +10068,38 @@
         </p:blipFill>
         <p:spPr>
           <a:xfrm>
-            <a:off x="1621861" y="487443"/>
-            <a:ext cx="5399429" cy="5084664"/>
+            <a:off x="6422283" y="1386721"/>
+            <a:ext cx="4337411" cy="4084557"/>
+          </a:xfrm>
+          <a:prstGeom prst="rect">
+            <a:avLst/>
+          </a:prstGeom>
+        </p:spPr>
+      </p:pic>
+      <p:pic>
+        <p:nvPicPr>
+          <p:cNvPr id="3" name="Imagen 2">
+            <a:extLst>
+              <a:ext uri="{FF2B5EF4-FFF2-40B4-BE49-F238E27FC236}">
+                <a16:creationId xmlns:a16="http://schemas.microsoft.com/office/drawing/2014/main" id="{23440936-9D4F-4873-92C4-85C90F56FC08}"/>
+              </a:ext>
+            </a:extLst>
+          </p:cNvPr>
+          <p:cNvPicPr>
+            <a:picLocks noChangeAspect="1"/>
+          </p:cNvPicPr>
+          <p:nvPr/>
+        </p:nvPicPr>
+        <p:blipFill>
+          <a:blip r:embed="rId3"/>
+          <a:stretch>
+            <a:fillRect/>
+          </a:stretch>
+        </p:blipFill>
+        <p:spPr>
+          <a:xfrm>
+            <a:off x="955556" y="2061940"/>
+            <a:ext cx="5306305" cy="2734117"/>
           </a:xfrm>
           <a:prstGeom prst="rect">
             <a:avLst/>
@@ -10635,8 +10511,8 @@
         </p:blipFill>
         <p:spPr>
           <a:xfrm>
-            <a:off x="6953682" y="641207"/>
-            <a:ext cx="3590788" cy="2621275"/>
+            <a:off x="6111541" y="1885285"/>
+            <a:ext cx="4589124" cy="3350060"/>
           </a:xfrm>
           <a:prstGeom prst="rect">
             <a:avLst/>
@@ -10737,68 +10613,6 @@
           </a:p>
         </p:txBody>
       </p:sp>
-      <p:pic>
-        <p:nvPicPr>
-          <p:cNvPr id="7" name="Imagen 6">
-            <a:extLst>
-              <a:ext uri="{FF2B5EF4-FFF2-40B4-BE49-F238E27FC236}">
-                <a16:creationId xmlns:a16="http://schemas.microsoft.com/office/drawing/2014/main" id="{820E2AEE-FA42-43FD-B333-675CB94AF023}"/>
-              </a:ext>
-            </a:extLst>
-          </p:cNvPr>
-          <p:cNvPicPr>
-            <a:picLocks noChangeAspect="1"/>
-          </p:cNvPicPr>
-          <p:nvPr/>
-        </p:nvPicPr>
-        <p:blipFill>
-          <a:blip r:embed="rId6"/>
-          <a:stretch>
-            <a:fillRect/>
-          </a:stretch>
-        </p:blipFill>
-        <p:spPr>
-          <a:xfrm>
-            <a:off x="6751768" y="3595519"/>
-            <a:ext cx="3994617" cy="2059300"/>
-          </a:xfrm>
-          <a:prstGeom prst="rect">
-            <a:avLst/>
-          </a:prstGeom>
-          <a:ln>
-            <a:gradFill flip="none" rotWithShape="1">
-              <a:gsLst>
-                <a:gs pos="86000">
-                  <a:schemeClr val="accent6">
-                    <a:lumMod val="67000"/>
-                  </a:schemeClr>
-                </a:gs>
-                <a:gs pos="20000">
-                  <a:schemeClr val="accent6">
-                    <a:lumMod val="97000"/>
-                    <a:lumOff val="3000"/>
-                  </a:schemeClr>
-                </a:gs>
-                <a:gs pos="100000">
-                  <a:schemeClr val="accent6">
-                    <a:lumMod val="60000"/>
-                    <a:lumOff val="40000"/>
-                  </a:schemeClr>
-                </a:gs>
-              </a:gsLst>
-              <a:lin ang="16200000" scaled="1"/>
-              <a:tileRect/>
-            </a:gradFill>
-          </a:ln>
-          <a:effectLst>
-            <a:innerShdw blurRad="127000">
-              <a:prstClr val="black">
-                <a:alpha val="90000"/>
-              </a:prstClr>
-            </a:innerShdw>
-          </a:effectLst>
-        </p:spPr>
-      </p:pic>
       <p:sp>
         <p:nvSpPr>
           <p:cNvPr id="29" name="Rectangle 28">
@@ -10996,97 +10810,6 @@
       </p:sp>
       <p:sp>
         <p:nvSpPr>
-          <p:cNvPr id="50" name="Content Placeholder 11">
-            <a:extLst>
-              <a:ext uri="{FF2B5EF4-FFF2-40B4-BE49-F238E27FC236}">
-                <a16:creationId xmlns:a16="http://schemas.microsoft.com/office/drawing/2014/main" id="{D61FE20F-826C-43BF-9610-E09B11E8AE70}"/>
-              </a:ext>
-            </a:extLst>
-          </p:cNvPr>
-          <p:cNvSpPr>
-            <a:spLocks noGrp="1"/>
-          </p:cNvSpPr>
-          <p:nvPr>
-            <p:ph idx="1"/>
-          </p:nvPr>
-        </p:nvSpPr>
-        <p:spPr>
-          <a:xfrm>
-            <a:off x="1491335" y="2052116"/>
-            <a:ext cx="4447974" cy="3997828"/>
-          </a:xfrm>
-        </p:spPr>
-        <p:txBody>
-          <a:bodyPr>
-            <a:normAutofit/>
-          </a:bodyPr>
-          <a:lstStyle/>
-          <a:p>
-            <a:r>
-              <a:rPr lang="en-US" sz="2800" dirty="0"/>
-              <a:t>Los </a:t>
-            </a:r>
-            <a:r>
-              <a:rPr lang="en-US" sz="2800" dirty="0" err="1"/>
-              <a:t>resultados</a:t>
-            </a:r>
-            <a:r>
-              <a:rPr lang="en-US" sz="2800" dirty="0"/>
-              <a:t> </a:t>
-            </a:r>
-            <a:r>
-              <a:rPr lang="en-US" sz="2800" dirty="0" err="1"/>
-              <a:t>obtenidos</a:t>
-            </a:r>
-            <a:r>
-              <a:rPr lang="en-US" sz="2800" dirty="0"/>
-              <a:t> </a:t>
-            </a:r>
-            <a:r>
-              <a:rPr lang="en-US" sz="2800" dirty="0" err="1"/>
-              <a:t>evidencia</a:t>
-            </a:r>
-            <a:r>
-              <a:rPr lang="en-US" sz="2800" dirty="0"/>
-              <a:t> la </a:t>
-            </a:r>
-            <a:r>
-              <a:rPr lang="en-US" sz="2800" dirty="0" err="1"/>
-              <a:t>comunicacion</a:t>
-            </a:r>
-            <a:r>
-              <a:rPr lang="en-US" sz="2800" dirty="0"/>
-              <a:t> entre los </a:t>
-            </a:r>
-            <a:r>
-              <a:rPr lang="en-US" sz="2800" dirty="0" err="1"/>
-              <a:t>agentes</a:t>
-            </a:r>
-            <a:r>
-              <a:rPr lang="en-US" sz="2800" dirty="0"/>
-              <a:t> </a:t>
-            </a:r>
-            <a:r>
-              <a:rPr lang="en-US" sz="2800" dirty="0" err="1"/>
-              <a:t>involucrados</a:t>
-            </a:r>
-            <a:r>
-              <a:rPr lang="en-US" sz="2800" dirty="0"/>
-              <a:t> </a:t>
-            </a:r>
-            <a:r>
-              <a:rPr lang="en-US" sz="2800" dirty="0" err="1"/>
-              <a:t>en</a:t>
-            </a:r>
-            <a:r>
-              <a:rPr lang="en-US" sz="2800" dirty="0"/>
-              <a:t> la red.</a:t>
-            </a:r>
-          </a:p>
-        </p:txBody>
-      </p:sp>
-      <p:sp>
-        <p:nvSpPr>
           <p:cNvPr id="37" name="Shape 288">
             <a:extLst>
               <a:ext uri="{FF2B5EF4-FFF2-40B4-BE49-F238E27FC236}">
@@ -11101,8 +10824,8 @@
         </p:nvSpPr>
         <p:spPr>
           <a:xfrm>
-            <a:off x="1538011" y="5405364"/>
-            <a:ext cx="6721410" cy="655800"/>
+            <a:off x="6071401" y="5061613"/>
+            <a:ext cx="4669403" cy="655800"/>
           </a:xfrm>
           <a:prstGeom prst="rect">
             <a:avLst/>
@@ -11362,7 +11085,70 @@
             </a:r>
             <a:r>
               <a:rPr lang="es-CO" sz="1200" dirty="0"/>
-              <a:t>Fig11: Resultados obtenidos.</a:t>
+              <a:t>Fig11: Caso de aplicación de control </a:t>
+            </a:r>
+            <a:r>
+              <a:rPr lang="es-CO" sz="1200" dirty="0" err="1"/>
+              <a:t>fuzzy</a:t>
+            </a:r>
+            <a:r>
+              <a:rPr lang="es-CO" sz="1200" dirty="0"/>
+              <a:t> con diferentes reglas.</a:t>
+            </a:r>
+          </a:p>
+          <a:p>
+            <a:pPr marL="0" indent="0">
+              <a:spcAft>
+                <a:spcPts val="0"/>
+              </a:spcAft>
+              <a:buFont typeface="Wingdings" panose="05000000000000000000" pitchFamily="2" charset="2"/>
+              <a:buNone/>
+            </a:pPr>
+            <a:endParaRPr lang="es-CO" sz="1200" dirty="0"/>
+          </a:p>
+        </p:txBody>
+      </p:sp>
+      <p:sp>
+        <p:nvSpPr>
+          <p:cNvPr id="6" name="Marcador de contenido 5">
+            <a:extLst>
+              <a:ext uri="{FF2B5EF4-FFF2-40B4-BE49-F238E27FC236}">
+                <a16:creationId xmlns:a16="http://schemas.microsoft.com/office/drawing/2014/main" id="{E6DAE179-5153-4D57-924F-29F29FBF8CED}"/>
+              </a:ext>
+            </a:extLst>
+          </p:cNvPr>
+          <p:cNvSpPr>
+            <a:spLocks noGrp="1"/>
+          </p:cNvSpPr>
+          <p:nvPr>
+            <p:ph idx="1"/>
+          </p:nvPr>
+        </p:nvSpPr>
+        <p:spPr>
+          <a:xfrm>
+            <a:off x="1053924" y="1885285"/>
+            <a:ext cx="4847794" cy="3997828"/>
+          </a:xfrm>
+        </p:spPr>
+        <p:txBody>
+          <a:bodyPr/>
+          <a:lstStyle/>
+          <a:p>
+            <a:r>
+              <a:rPr lang="es-CO" dirty="0"/>
+              <a:t>Comunicación entre los agentes involucrados en el sistema.</a:t>
+            </a:r>
+          </a:p>
+          <a:p>
+            <a:r>
+              <a:rPr lang="es-CO" dirty="0"/>
+              <a:t>Evaluación y Pre-clasificación por parte de la red neuronal.</a:t>
+            </a:r>
+          </a:p>
+          <a:p>
+            <a:r>
+              <a:rPr lang="es-CO" dirty="0"/>
+              <a:t>Clasificación y acciones de control por medio de lógica difusa.</a:t>
             </a:r>
           </a:p>
         </p:txBody>
@@ -11443,8 +11229,8 @@
         </p:nvSpPr>
         <p:spPr>
           <a:xfrm>
-            <a:off x="1391478" y="2052116"/>
-            <a:ext cx="9178661" cy="3997828"/>
+            <a:off x="1391478" y="1212112"/>
+            <a:ext cx="9178661" cy="4837832"/>
           </a:xfrm>
         </p:spPr>
         <p:txBody>
@@ -11459,7 +11245,7 @@
           <a:p>
             <a:r>
               <a:rPr lang="es-CO" dirty="0"/>
-              <a:t>Si fue posible lograr los objetivos planteados con las herramientas vistas en clase.</a:t>
+              <a:t>Si fue posible lograr los objetivos planteados con las herramientas vistas en clase, aunque no son los mas adecuados para el problema.</a:t>
             </a:r>
           </a:p>
           <a:p>
@@ -11471,7 +11257,7 @@
           <a:p>
             <a:r>
               <a:rPr lang="es-CO" dirty="0"/>
-              <a:t>Los recursos aplicados no fueron los óptimos para objetivo alcanzado.</a:t>
+              <a:t>Las técnicas aplicados no fueron los óptimos para objetivo alcanzado.</a:t>
             </a:r>
           </a:p>
         </p:txBody>
@@ -11732,6 +11518,129 @@
     <p:extLst>
       <p:ext uri="{BB962C8B-B14F-4D97-AF65-F5344CB8AC3E}">
         <p14:creationId xmlns:p14="http://schemas.microsoft.com/office/powerpoint/2010/main" val="289587994"/>
+      </p:ext>
+    </p:extLst>
+  </p:cSld>
+  <p:clrMapOvr>
+    <a:masterClrMapping/>
+  </p:clrMapOvr>
+</p:sld>
+</file>
+
+<file path=ppt/slides/slide17.xml><?xml version="1.0" encoding="utf-8"?>
+<p:sld xmlns:a="http://schemas.openxmlformats.org/drawingml/2006/main" xmlns:r="http://schemas.openxmlformats.org/officeDocument/2006/relationships" xmlns:p="http://schemas.openxmlformats.org/presentationml/2006/main">
+  <p:cSld>
+    <p:spTree>
+      <p:nvGrpSpPr>
+        <p:cNvPr id="1" name=""/>
+        <p:cNvGrpSpPr/>
+        <p:nvPr/>
+      </p:nvGrpSpPr>
+      <p:grpSpPr>
+        <a:xfrm>
+          <a:off x="0" y="0"/>
+          <a:ext cx="0" cy="0"/>
+          <a:chOff x="0" y="0"/>
+          <a:chExt cx="0" cy="0"/>
+        </a:xfrm>
+      </p:grpSpPr>
+      <p:sp>
+        <p:nvSpPr>
+          <p:cNvPr id="3" name="Marcador de contenido 2">
+            <a:extLst>
+              <a:ext uri="{FF2B5EF4-FFF2-40B4-BE49-F238E27FC236}">
+                <a16:creationId xmlns:a16="http://schemas.microsoft.com/office/drawing/2014/main" id="{3490EB14-237D-4FCF-BB8E-5F621A1CC3CB}"/>
+              </a:ext>
+            </a:extLst>
+          </p:cNvPr>
+          <p:cNvSpPr>
+            <a:spLocks noGrp="1"/>
+          </p:cNvSpPr>
+          <p:nvPr>
+            <p:ph idx="1"/>
+          </p:nvPr>
+        </p:nvSpPr>
+        <p:spPr>
+          <a:xfrm>
+            <a:off x="3330190" y="1430086"/>
+            <a:ext cx="4793392" cy="3997828"/>
+          </a:xfrm>
+        </p:spPr>
+        <p:txBody>
+          <a:bodyPr>
+            <a:normAutofit/>
+          </a:bodyPr>
+          <a:lstStyle/>
+          <a:p>
+            <a:r>
+              <a:rPr lang="es-CO" sz="8000" dirty="0"/>
+              <a:t>Gracias.</a:t>
+            </a:r>
+          </a:p>
+        </p:txBody>
+      </p:sp>
+      <p:sp>
+        <p:nvSpPr>
+          <p:cNvPr id="4" name="Marcador de pie de página 3">
+            <a:extLst>
+              <a:ext uri="{FF2B5EF4-FFF2-40B4-BE49-F238E27FC236}">
+                <a16:creationId xmlns:a16="http://schemas.microsoft.com/office/drawing/2014/main" id="{B5893218-4BA8-4FBE-A8F8-B254B0EEEB3E}"/>
+              </a:ext>
+            </a:extLst>
+          </p:cNvPr>
+          <p:cNvSpPr>
+            <a:spLocks noGrp="1"/>
+          </p:cNvSpPr>
+          <p:nvPr>
+            <p:ph type="ftr" sz="quarter" idx="11"/>
+          </p:nvPr>
+        </p:nvSpPr>
+        <p:spPr/>
+        <p:txBody>
+          <a:bodyPr/>
+          <a:lstStyle/>
+          <a:p>
+            <a:r>
+              <a:rPr lang="pt-BR"/>
+              <a:t>CONTROL REACTOR CSTR aplicando técnicas de IA      UNALMED-MINAS-IA-2018-1</a:t>
+            </a:r>
+            <a:endParaRPr lang="en-US" dirty="0"/>
+          </a:p>
+        </p:txBody>
+      </p:sp>
+      <p:sp>
+        <p:nvSpPr>
+          <p:cNvPr id="5" name="Marcador de número de diapositiva 4">
+            <a:extLst>
+              <a:ext uri="{FF2B5EF4-FFF2-40B4-BE49-F238E27FC236}">
+                <a16:creationId xmlns:a16="http://schemas.microsoft.com/office/drawing/2014/main" id="{26B72025-5EB3-4F2D-B3E3-CADB5C9808AE}"/>
+              </a:ext>
+            </a:extLst>
+          </p:cNvPr>
+          <p:cNvSpPr>
+            <a:spLocks noGrp="1"/>
+          </p:cNvSpPr>
+          <p:nvPr>
+            <p:ph type="sldNum" sz="quarter" idx="12"/>
+          </p:nvPr>
+        </p:nvSpPr>
+        <p:spPr/>
+        <p:txBody>
+          <a:bodyPr/>
+          <a:lstStyle/>
+          <a:p>
+            <a:fld id="{6D22F896-40B5-4ADD-8801-0D06FADFA095}" type="slidenum">
+              <a:rPr lang="en-US" smtClean="0"/>
+              <a:t>17</a:t>
+            </a:fld>
+            <a:endParaRPr lang="en-US" dirty="0"/>
+          </a:p>
+        </p:txBody>
+      </p:sp>
+    </p:spTree>
+    <p:extLst>
+      <p:ext uri="{BB962C8B-B14F-4D97-AF65-F5344CB8AC3E}">
+        <p14:creationId xmlns:p14="http://schemas.microsoft.com/office/powerpoint/2010/main" val="64950333"/>
       </p:ext>
     </p:extLst>
   </p:cSld>
